--- a/presentation/Sayantan_Auddy_IS_Presentation.pptx
+++ b/presentation/Sayantan_Auddy_IS_Presentation.pptx
@@ -5,10 +5,10 @@
     <p:sldMasterId id="2147483671" r:id="rId1"/>
   </p:sldMasterIdLst>
   <p:notesMasterIdLst>
-    <p:notesMasterId r:id="rId18"/>
+    <p:notesMasterId r:id="rId19"/>
   </p:notesMasterIdLst>
   <p:handoutMasterIdLst>
-    <p:handoutMasterId r:id="rId19"/>
+    <p:handoutMasterId r:id="rId20"/>
   </p:handoutMasterIdLst>
   <p:sldIdLst>
     <p:sldId id="256" r:id="rId2"/>
@@ -17,16 +17,17 @@
     <p:sldId id="274" r:id="rId5"/>
     <p:sldId id="276" r:id="rId6"/>
     <p:sldId id="277" r:id="rId7"/>
-    <p:sldId id="287" r:id="rId8"/>
-    <p:sldId id="278" r:id="rId9"/>
-    <p:sldId id="279" r:id="rId10"/>
-    <p:sldId id="280" r:id="rId11"/>
-    <p:sldId id="281" r:id="rId12"/>
-    <p:sldId id="282" r:id="rId13"/>
-    <p:sldId id="283" r:id="rId14"/>
-    <p:sldId id="284" r:id="rId15"/>
-    <p:sldId id="285" r:id="rId16"/>
-    <p:sldId id="286" r:id="rId17"/>
+    <p:sldId id="288" r:id="rId8"/>
+    <p:sldId id="287" r:id="rId9"/>
+    <p:sldId id="278" r:id="rId10"/>
+    <p:sldId id="279" r:id="rId11"/>
+    <p:sldId id="280" r:id="rId12"/>
+    <p:sldId id="281" r:id="rId13"/>
+    <p:sldId id="282" r:id="rId14"/>
+    <p:sldId id="283" r:id="rId15"/>
+    <p:sldId id="284" r:id="rId16"/>
+    <p:sldId id="285" r:id="rId17"/>
+    <p:sldId id="286" r:id="rId18"/>
   </p:sldIdLst>
   <p:sldSz cx="9144000" cy="6858000" type="screen4x3"/>
   <p:notesSz cx="10234613" cy="7099300"/>
@@ -155,6 +156,14 @@
       </a:defRPr>
     </a:lvl9pPr>
   </p:defaultTextStyle>
+  <p:extLst>
+    <p:ext uri="{EFAFB233-063F-42B5-8137-9DF3F51BA10A}">
+      <p15:sldGuideLst xmlns:p15="http://schemas.microsoft.com/office/powerpoint/2012/main"/>
+    </p:ext>
+    <p:ext uri="{2D200454-40CA-4A62-9FC3-DE9A4176ACB9}">
+      <p15:notesGuideLst xmlns:p15="http://schemas.microsoft.com/office/powerpoint/2012/main"/>
+    </p:ext>
+  </p:extLst>
 </p:presentation>
 </file>
 
@@ -508,7 +517,7 @@
         <p:nvSpPr>
           <p:cNvPr id="12292" name="Rectangle 4"/>
           <p:cNvSpPr>
-            <a:spLocks noChangeArrowheads="1" noTextEdit="1"/>
+            <a:spLocks noGrp="1" noRot="1" noChangeAspect="1" noChangeArrowheads="1" noTextEdit="1"/>
           </p:cNvSpPr>
           <p:nvPr>
             <p:ph type="sldImg" idx="2"/>
@@ -913,7 +922,6 @@
               <a:rPr lang="en-US" dirty="0"/>
               <a:t>https://www.youtube.com/watch?v=jIzuy9fcf1k</a:t>
             </a:r>
-            <a:endParaRPr lang="en-US" dirty="0"/>
           </a:p>
           <a:p>
             <a:r>
@@ -2575,7 +2583,6 @@
               <a:rPr lang="en-US" altLang="en-US"/>
               <a:t>Click to edit Master title style</a:t>
             </a:r>
-            <a:endParaRPr lang="en-US" altLang="en-US"/>
           </a:p>
         </p:txBody>
       </p:sp>
@@ -3324,25 +3331,35 @@
           <a:chExt cx="0" cy="0"/>
         </a:xfrm>
       </p:grpSpPr>
-      <p:sp>
-        <p:nvSpPr>
-          <p:cNvPr id="2" name="Content Placeholder 1"/>
-          <p:cNvSpPr>
-            <a:spLocks noGrp="1"/>
-          </p:cNvSpPr>
+      <p:pic>
+        <p:nvPicPr>
+          <p:cNvPr id="7" name="Content Placeholder 6"/>
+          <p:cNvPicPr>
+            <a:picLocks noGrp="1" noChangeAspect="1"/>
+          </p:cNvPicPr>
           <p:nvPr>
             <p:ph idx="1"/>
           </p:nvPr>
-        </p:nvSpPr>
-        <p:spPr/>
-        <p:txBody>
-          <a:bodyPr/>
-          <a:lstStyle/>
-          <a:p>
-            <a:endParaRPr lang="en-US"/>
-          </a:p>
-        </p:txBody>
-      </p:sp>
+        </p:nvPicPr>
+        <p:blipFill>
+          <a:blip r:embed="rId2">
+            <a:extLst>
+              <a:ext uri="{28A0092B-C50C-407E-A947-70E740481C1C}">
+                <a14:useLocalDpi xmlns:a14="http://schemas.microsoft.com/office/drawing/2010/main" val="0"/>
+              </a:ext>
+            </a:extLst>
+          </a:blip>
+          <a:stretch>
+            <a:fillRect/>
+          </a:stretch>
+        </p:blipFill>
+        <p:spPr>
+          <a:xfrm>
+            <a:off x="1069011" y="1095375"/>
+            <a:ext cx="6777378" cy="5086349"/>
+          </a:xfrm>
+        </p:spPr>
+      </p:pic>
       <p:sp>
         <p:nvSpPr>
           <p:cNvPr id="3" name="Title 2"/>
@@ -3360,7 +3377,7 @@
           <a:p>
             <a:r>
               <a:rPr lang="en-US" dirty="0"/>
-              <a:t>Joint Control Demonstration</a:t>
+              <a:t>Robot Joint Control</a:t>
             </a:r>
           </a:p>
         </p:txBody>
@@ -3444,7 +3461,7 @@
     </p:spTree>
     <p:extLst>
       <p:ext uri="{BB962C8B-B14F-4D97-AF65-F5344CB8AC3E}">
-        <p14:creationId xmlns:p14="http://schemas.microsoft.com/office/powerpoint/2010/main" val="1449015604"/>
+        <p14:creationId xmlns:p14="http://schemas.microsoft.com/office/powerpoint/2010/main" val="1886824509"/>
       </p:ext>
     </p:extLst>
   </p:cSld>
@@ -3592,7 +3609,7 @@
     </p:spTree>
     <p:extLst>
       <p:ext uri="{BB962C8B-B14F-4D97-AF65-F5344CB8AC3E}">
-        <p14:creationId xmlns:p14="http://schemas.microsoft.com/office/powerpoint/2010/main" val="4045944483"/>
+        <p14:creationId xmlns:p14="http://schemas.microsoft.com/office/powerpoint/2010/main" val="1449015604"/>
       </p:ext>
     </p:extLst>
   </p:cSld>
@@ -3635,123 +3652,7 @@
           <a:bodyPr/>
           <a:lstStyle/>
           <a:p>
-            <a:pPr>
-              <a:buNone/>
-              <a:defRPr/>
-            </a:pPr>
-            <a:r>
-              <a:rPr lang="en-AU" dirty="0">
-                <a:latin typeface="Arial" charset="0"/>
-                <a:cs typeface="Arial" charset="0"/>
-              </a:rPr>
-              <a:t>Novelty and contribution of this work:</a:t>
-            </a:r>
-          </a:p>
-          <a:p>
-            <a:pPr>
-              <a:defRPr/>
-            </a:pPr>
-            <a:r>
-              <a:rPr lang="en-AU" dirty="0">
-                <a:latin typeface="Arial" charset="0"/>
-                <a:cs typeface="Arial" charset="0"/>
-              </a:rPr>
-              <a:t>Sum up the approach</a:t>
-            </a:r>
-          </a:p>
-          <a:p>
-            <a:pPr>
-              <a:defRPr/>
-            </a:pPr>
-            <a:r>
-              <a:rPr lang="en-AU" dirty="0">
-                <a:latin typeface="Arial" charset="0"/>
-                <a:cs typeface="Arial" charset="0"/>
-              </a:rPr>
-              <a:t>Sum op the results</a:t>
-            </a:r>
-          </a:p>
-          <a:p>
-            <a:pPr>
-              <a:defRPr/>
-            </a:pPr>
-            <a:r>
-              <a:rPr lang="en-AU" dirty="0">
-                <a:latin typeface="Arial" charset="0"/>
-                <a:cs typeface="Arial" charset="0"/>
-              </a:rPr>
-              <a:t>...</a:t>
-            </a:r>
-          </a:p>
-          <a:p>
-            <a:pPr>
-              <a:defRPr/>
-            </a:pPr>
-            <a:r>
-              <a:rPr lang="en-AU" dirty="0">
-                <a:latin typeface="Arial" charset="0"/>
-                <a:cs typeface="Arial" charset="0"/>
-              </a:rPr>
-              <a:t>Show that it solves the question</a:t>
-            </a:r>
-          </a:p>
-          <a:p>
-            <a:pPr>
-              <a:defRPr/>
-            </a:pPr>
-            <a:endParaRPr lang="en-AU" dirty="0">
-              <a:latin typeface="Arial" charset="0"/>
-              <a:cs typeface="Arial" charset="0"/>
-            </a:endParaRPr>
-          </a:p>
-          <a:p>
-            <a:pPr lvl="4">
-              <a:spcBef>
-                <a:spcPct val="0"/>
-              </a:spcBef>
-              <a:defRPr/>
-            </a:pPr>
-            <a:endParaRPr lang="en-AU" sz="1050" dirty="0"/>
-          </a:p>
-          <a:p>
-            <a:pPr>
-              <a:buNone/>
-              <a:defRPr/>
-            </a:pPr>
-            <a:r>
-              <a:rPr lang="en-AU" dirty="0">
-                <a:latin typeface="Arial" charset="0"/>
-                <a:cs typeface="Arial" charset="0"/>
-              </a:rPr>
-              <a:t>Open Questions:</a:t>
-            </a:r>
-          </a:p>
-          <a:p>
-            <a:pPr>
-              <a:defRPr/>
-            </a:pPr>
-            <a:r>
-              <a:rPr lang="en-AU" dirty="0">
-                <a:latin typeface="Arial" charset="0"/>
-                <a:cs typeface="Arial" charset="0"/>
-              </a:rPr>
-              <a:t>Something</a:t>
-            </a:r>
-          </a:p>
-          <a:p>
-            <a:pPr>
-              <a:defRPr/>
-            </a:pPr>
-            <a:r>
-              <a:rPr lang="en-AU" dirty="0">
-                <a:latin typeface="Arial" charset="0"/>
-                <a:cs typeface="Arial" charset="0"/>
-              </a:rPr>
-              <a:t>... is always missing</a:t>
-            </a:r>
-          </a:p>
-          <a:p>
-            <a:endParaRPr lang="en-US" dirty="0"/>
+            <a:endParaRPr lang="en-US"/>
           </a:p>
         </p:txBody>
       </p:sp>
@@ -3772,7 +3673,7 @@
           <a:p>
             <a:r>
               <a:rPr lang="en-US" dirty="0"/>
-              <a:t>Conclusion</a:t>
+              <a:t>Joint Control Demonstration</a:t>
             </a:r>
           </a:p>
         </p:txBody>
@@ -3856,7 +3757,7 @@
     </p:spTree>
     <p:extLst>
       <p:ext uri="{BB962C8B-B14F-4D97-AF65-F5344CB8AC3E}">
-        <p14:creationId xmlns:p14="http://schemas.microsoft.com/office/powerpoint/2010/main" val="732938034"/>
+        <p14:creationId xmlns:p14="http://schemas.microsoft.com/office/powerpoint/2010/main" val="4045944483"/>
       </p:ext>
     </p:extLst>
   </p:cSld>
@@ -3899,7 +3800,123 @@
           <a:bodyPr/>
           <a:lstStyle/>
           <a:p>
-            <a:endParaRPr lang="en-US"/>
+            <a:pPr>
+              <a:buNone/>
+              <a:defRPr/>
+            </a:pPr>
+            <a:r>
+              <a:rPr lang="en-AU" dirty="0">
+                <a:latin typeface="Arial" charset="0"/>
+                <a:cs typeface="Arial" charset="0"/>
+              </a:rPr>
+              <a:t>Novelty and contribution of this work:</a:t>
+            </a:r>
+          </a:p>
+          <a:p>
+            <a:pPr>
+              <a:defRPr/>
+            </a:pPr>
+            <a:r>
+              <a:rPr lang="en-AU" dirty="0">
+                <a:latin typeface="Arial" charset="0"/>
+                <a:cs typeface="Arial" charset="0"/>
+              </a:rPr>
+              <a:t>Sum up the approach</a:t>
+            </a:r>
+          </a:p>
+          <a:p>
+            <a:pPr>
+              <a:defRPr/>
+            </a:pPr>
+            <a:r>
+              <a:rPr lang="en-AU" dirty="0">
+                <a:latin typeface="Arial" charset="0"/>
+                <a:cs typeface="Arial" charset="0"/>
+              </a:rPr>
+              <a:t>Sum op the results</a:t>
+            </a:r>
+          </a:p>
+          <a:p>
+            <a:pPr>
+              <a:defRPr/>
+            </a:pPr>
+            <a:r>
+              <a:rPr lang="en-AU" dirty="0">
+                <a:latin typeface="Arial" charset="0"/>
+                <a:cs typeface="Arial" charset="0"/>
+              </a:rPr>
+              <a:t>...</a:t>
+            </a:r>
+          </a:p>
+          <a:p>
+            <a:pPr>
+              <a:defRPr/>
+            </a:pPr>
+            <a:r>
+              <a:rPr lang="en-AU" dirty="0">
+                <a:latin typeface="Arial" charset="0"/>
+                <a:cs typeface="Arial" charset="0"/>
+              </a:rPr>
+              <a:t>Show that it solves the question</a:t>
+            </a:r>
+          </a:p>
+          <a:p>
+            <a:pPr>
+              <a:defRPr/>
+            </a:pPr>
+            <a:endParaRPr lang="en-AU" dirty="0">
+              <a:latin typeface="Arial" charset="0"/>
+              <a:cs typeface="Arial" charset="0"/>
+            </a:endParaRPr>
+          </a:p>
+          <a:p>
+            <a:pPr lvl="4">
+              <a:spcBef>
+                <a:spcPct val="0"/>
+              </a:spcBef>
+              <a:defRPr/>
+            </a:pPr>
+            <a:endParaRPr lang="en-AU" sz="1050" dirty="0"/>
+          </a:p>
+          <a:p>
+            <a:pPr>
+              <a:buNone/>
+              <a:defRPr/>
+            </a:pPr>
+            <a:r>
+              <a:rPr lang="en-AU" dirty="0">
+                <a:latin typeface="Arial" charset="0"/>
+                <a:cs typeface="Arial" charset="0"/>
+              </a:rPr>
+              <a:t>Open Questions:</a:t>
+            </a:r>
+          </a:p>
+          <a:p>
+            <a:pPr>
+              <a:defRPr/>
+            </a:pPr>
+            <a:r>
+              <a:rPr lang="en-AU" dirty="0">
+                <a:latin typeface="Arial" charset="0"/>
+                <a:cs typeface="Arial" charset="0"/>
+              </a:rPr>
+              <a:t>Something</a:t>
+            </a:r>
+          </a:p>
+          <a:p>
+            <a:pPr>
+              <a:defRPr/>
+            </a:pPr>
+            <a:r>
+              <a:rPr lang="en-AU" dirty="0">
+                <a:latin typeface="Arial" charset="0"/>
+                <a:cs typeface="Arial" charset="0"/>
+              </a:rPr>
+              <a:t>... is always missing</a:t>
+            </a:r>
+          </a:p>
+          <a:p>
+            <a:endParaRPr lang="en-US" dirty="0"/>
           </a:p>
         </p:txBody>
       </p:sp>
@@ -3920,7 +3937,7 @@
           <a:p>
             <a:r>
               <a:rPr lang="en-US" dirty="0"/>
-              <a:t>Future Work</a:t>
+              <a:t>Conclusion</a:t>
             </a:r>
           </a:p>
         </p:txBody>
@@ -4004,7 +4021,7 @@
     </p:spTree>
     <p:extLst>
       <p:ext uri="{BB962C8B-B14F-4D97-AF65-F5344CB8AC3E}">
-        <p14:creationId xmlns:p14="http://schemas.microsoft.com/office/powerpoint/2010/main" val="2950859173"/>
+        <p14:creationId xmlns:p14="http://schemas.microsoft.com/office/powerpoint/2010/main" val="732938034"/>
       </p:ext>
     </p:extLst>
   </p:cSld>
@@ -4152,7 +4169,7 @@
     </p:spTree>
     <p:extLst>
       <p:ext uri="{BB962C8B-B14F-4D97-AF65-F5344CB8AC3E}">
-        <p14:creationId xmlns:p14="http://schemas.microsoft.com/office/powerpoint/2010/main" val="3574570096"/>
+        <p14:creationId xmlns:p14="http://schemas.microsoft.com/office/powerpoint/2010/main" val="2950859173"/>
       </p:ext>
     </p:extLst>
   </p:cSld>
@@ -4300,7 +4317,7 @@
     </p:spTree>
     <p:extLst>
       <p:ext uri="{BB962C8B-B14F-4D97-AF65-F5344CB8AC3E}">
-        <p14:creationId xmlns:p14="http://schemas.microsoft.com/office/powerpoint/2010/main" val="2988060795"/>
+        <p14:creationId xmlns:p14="http://schemas.microsoft.com/office/powerpoint/2010/main" val="3574570096"/>
       </p:ext>
     </p:extLst>
   </p:cSld>
@@ -4343,6 +4360,154 @@
           <a:bodyPr/>
           <a:lstStyle/>
           <a:p>
+            <a:endParaRPr lang="en-US"/>
+          </a:p>
+        </p:txBody>
+      </p:sp>
+      <p:sp>
+        <p:nvSpPr>
+          <p:cNvPr id="3" name="Title 2"/>
+          <p:cNvSpPr>
+            <a:spLocks noGrp="1"/>
+          </p:cNvSpPr>
+          <p:nvPr>
+            <p:ph type="title"/>
+          </p:nvPr>
+        </p:nvSpPr>
+        <p:spPr/>
+        <p:txBody>
+          <a:bodyPr/>
+          <a:lstStyle/>
+          <a:p>
+            <a:r>
+              <a:rPr lang="en-US" dirty="0"/>
+              <a:t>Future Work</a:t>
+            </a:r>
+          </a:p>
+        </p:txBody>
+      </p:sp>
+      <p:sp>
+        <p:nvSpPr>
+          <p:cNvPr id="4" name="Date Placeholder 3"/>
+          <p:cNvSpPr>
+            <a:spLocks noGrp="1"/>
+          </p:cNvSpPr>
+          <p:nvPr>
+            <p:ph type="dt" idx="10"/>
+          </p:nvPr>
+        </p:nvSpPr>
+        <p:spPr/>
+        <p:txBody>
+          <a:bodyPr/>
+          <a:lstStyle/>
+          <a:p>
+            <a:pPr>
+              <a:defRPr/>
+            </a:pPr>
+            <a:r>
+              <a:rPr lang="de-DE"/>
+              <a:t>Sayantan Auddy</a:t>
+            </a:r>
+            <a:endParaRPr lang="en-US" dirty="0"/>
+          </a:p>
+        </p:txBody>
+      </p:sp>
+      <p:sp>
+        <p:nvSpPr>
+          <p:cNvPr id="5" name="Footer Placeholder 4"/>
+          <p:cNvSpPr>
+            <a:spLocks noGrp="1"/>
+          </p:cNvSpPr>
+          <p:nvPr>
+            <p:ph type="ftr" idx="11"/>
+          </p:nvPr>
+        </p:nvSpPr>
+        <p:spPr/>
+        <p:txBody>
+          <a:bodyPr/>
+          <a:lstStyle/>
+          <a:p>
+            <a:pPr>
+              <a:defRPr/>
+            </a:pPr>
+            <a:r>
+              <a:rPr lang="en-US"/>
+              <a:t>A Neural Oscillator for Position Controlled Joints</a:t>
+            </a:r>
+            <a:endParaRPr lang="en-US" dirty="0"/>
+          </a:p>
+        </p:txBody>
+      </p:sp>
+      <p:sp>
+        <p:nvSpPr>
+          <p:cNvPr id="6" name="Slide Number Placeholder 5"/>
+          <p:cNvSpPr>
+            <a:spLocks noGrp="1"/>
+          </p:cNvSpPr>
+          <p:nvPr>
+            <p:ph type="sldNum" idx="12"/>
+          </p:nvPr>
+        </p:nvSpPr>
+        <p:spPr/>
+        <p:txBody>
+          <a:bodyPr/>
+          <a:lstStyle/>
+          <a:p>
+            <a:fld id="{F5F259CF-6904-4198-969C-73F70D22FFDA}" type="slidenum">
+              <a:rPr lang="en-US" altLang="en-US" smtClean="0"/>
+              <a:pPr/>
+              <a:t>16</a:t>
+            </a:fld>
+            <a:endParaRPr lang="en-US" altLang="en-US" dirty="0"/>
+          </a:p>
+        </p:txBody>
+      </p:sp>
+    </p:spTree>
+    <p:extLst>
+      <p:ext uri="{BB962C8B-B14F-4D97-AF65-F5344CB8AC3E}">
+        <p14:creationId xmlns:p14="http://schemas.microsoft.com/office/powerpoint/2010/main" val="2988060795"/>
+      </p:ext>
+    </p:extLst>
+  </p:cSld>
+  <p:clrMapOvr>
+    <a:masterClrMapping/>
+  </p:clrMapOvr>
+  <p:transition advClick="0"/>
+</p:sld>
+</file>
+
+<file path=ppt/slides/slide17.xml><?xml version="1.0" encoding="utf-8"?>
+<p:sld xmlns:a="http://schemas.openxmlformats.org/drawingml/2006/main" xmlns:r="http://schemas.openxmlformats.org/officeDocument/2006/relationships" xmlns:p="http://schemas.openxmlformats.org/presentationml/2006/main">
+  <p:cSld>
+    <p:spTree>
+      <p:nvGrpSpPr>
+        <p:cNvPr id="1" name=""/>
+        <p:cNvGrpSpPr/>
+        <p:nvPr/>
+      </p:nvGrpSpPr>
+      <p:grpSpPr>
+        <a:xfrm>
+          <a:off x="0" y="0"/>
+          <a:ext cx="0" cy="0"/>
+          <a:chOff x="0" y="0"/>
+          <a:chExt cx="0" cy="0"/>
+        </a:xfrm>
+      </p:grpSpPr>
+      <p:sp>
+        <p:nvSpPr>
+          <p:cNvPr id="2" name="Content Placeholder 1"/>
+          <p:cNvSpPr>
+            <a:spLocks noGrp="1"/>
+          </p:cNvSpPr>
+          <p:nvPr>
+            <p:ph idx="1"/>
+          </p:nvPr>
+        </p:nvSpPr>
+        <p:spPr/>
+        <p:txBody>
+          <a:bodyPr/>
+          <a:lstStyle/>
+          <a:p>
             <a:pPr algn="ctr">
               <a:buNone/>
             </a:pPr>
@@ -4524,7 +4689,7 @@
             <a:fld id="{F5F259CF-6904-4198-969C-73F70D22FFDA}" type="slidenum">
               <a:rPr lang="en-US" altLang="en-US" smtClean="0"/>
               <a:pPr/>
-              <a:t>16</a:t>
+              <a:t>17</a:t>
             </a:fld>
             <a:endParaRPr lang="en-US" altLang="en-US" dirty="0"/>
           </a:p>
@@ -4674,7 +4839,34 @@
           <a:bodyPr/>
           <a:lstStyle/>
           <a:p>
-            <a:endParaRPr lang="en-US"/>
+            <a:r>
+              <a:rPr lang="en-US" dirty="0"/>
+              <a:t>Legged robots can go places wheeled robots cannot</a:t>
+            </a:r>
+          </a:p>
+          <a:p>
+            <a:r>
+              <a:rPr lang="en-US" dirty="0"/>
+              <a:t>Efficiency of human movement</a:t>
+            </a:r>
+          </a:p>
+          <a:p>
+            <a:r>
+              <a:rPr lang="en-US" dirty="0"/>
+              <a:t>Stable bipedal motion – difficult to achieve</a:t>
+            </a:r>
+          </a:p>
+          <a:p>
+            <a:r>
+              <a:rPr lang="en-US" dirty="0"/>
+              <a:t>ZMP based approaches do not utilize dynamics of the robot</a:t>
+            </a:r>
+          </a:p>
+          <a:p>
+            <a:r>
+              <a:rPr lang="en-US" dirty="0"/>
+              <a:t>Alternative bio-inspired approach</a:t>
+            </a:r>
           </a:p>
         </p:txBody>
       </p:sp>
@@ -4872,7 +5064,34 @@
           <a:bodyPr/>
           <a:lstStyle/>
           <a:p>
-            <a:endParaRPr lang="en-US"/>
+            <a:r>
+              <a:rPr lang="en-US" dirty="0"/>
+              <a:t>ZMP</a:t>
+            </a:r>
+          </a:p>
+          <a:p>
+            <a:r>
+              <a:rPr lang="en-US" dirty="0"/>
+              <a:t>LIP</a:t>
+            </a:r>
+          </a:p>
+          <a:p>
+            <a:r>
+              <a:rPr lang="en-US" dirty="0"/>
+              <a:t>Passive Walkers</a:t>
+            </a:r>
+          </a:p>
+          <a:p>
+            <a:r>
+              <a:rPr lang="en-US" dirty="0"/>
+              <a:t>Neural Controllers and RL</a:t>
+            </a:r>
+          </a:p>
+          <a:p>
+            <a:r>
+              <a:rPr lang="en-US" dirty="0"/>
+              <a:t>Central Pattern Generators</a:t>
+            </a:r>
           </a:p>
         </p:txBody>
       </p:sp>
@@ -4895,7 +5114,6 @@
               <a:rPr lang="en-US" dirty="0"/>
               <a:t>Bipedal Walking Approaches</a:t>
             </a:r>
-            <a:endParaRPr lang="en-US" dirty="0"/>
           </a:p>
         </p:txBody>
       </p:sp>
@@ -5325,25 +5543,967 @@
           <a:chExt cx="0" cy="0"/>
         </a:xfrm>
       </p:grpSpPr>
-      <p:sp>
-        <p:nvSpPr>
-          <p:cNvPr id="2" name="Content Placeholder 1"/>
-          <p:cNvSpPr>
-            <a:spLocks noGrp="1"/>
-          </p:cNvSpPr>
-          <p:nvPr>
-            <p:ph idx="1"/>
-          </p:nvPr>
-        </p:nvSpPr>
-        <p:spPr/>
-        <p:txBody>
-          <a:bodyPr/>
-          <a:lstStyle/>
-          <a:p>
-            <a:endParaRPr lang="en-US"/>
-          </a:p>
-        </p:txBody>
-      </p:sp>
+      <mc:AlternateContent xmlns:mc="http://schemas.openxmlformats.org/markup-compatibility/2006">
+        <mc:Choice xmlns:a14="http://schemas.microsoft.com/office/drawing/2010/main" Requires="a14">
+          <p:sp>
+            <p:nvSpPr>
+              <p:cNvPr id="2" name="Content Placeholder 1"/>
+              <p:cNvSpPr>
+                <a:spLocks noGrp="1"/>
+              </p:cNvSpPr>
+              <p:nvPr>
+                <p:ph idx="1"/>
+              </p:nvPr>
+            </p:nvSpPr>
+            <p:spPr/>
+            <p:txBody>
+              <a:bodyPr/>
+              <a:lstStyle/>
+              <a:p>
+                <a:r>
+                  <a:rPr lang="en-US" dirty="0"/>
+                  <a:t>Mathematical model of neural rhythm generators</a:t>
+                </a:r>
+              </a:p>
+              <a:p>
+                <a:r>
+                  <a:rPr lang="en-US" dirty="0"/>
+                  <a:t>Set of mutually inhibiting neurons</a:t>
+                </a:r>
+              </a:p>
+              <a:p>
+                <a:r>
+                  <a:rPr lang="en-US" dirty="0"/>
+                  <a:t>Based on a piece-wise linear set differential equations</a:t>
+                </a:r>
+              </a:p>
+              <a:p>
+                <a:pPr/>
+                <a14:m>
+                  <m:oMath xmlns:m="http://schemas.openxmlformats.org/officeDocument/2006/math">
+                    <m:r>
+                      <a:rPr lang="en-US" b="0" i="1" spc="-150" smtClean="0">
+                        <a:latin typeface="+mn-lt"/>
+                      </a:rPr>
+                      <m:t>𝑡</m:t>
+                    </m:r>
+                    <m:r>
+                      <a:rPr lang="en-US" b="0" i="1" spc="-150" baseline="-25000" smtClean="0">
+                        <a:latin typeface="+mn-lt"/>
+                      </a:rPr>
+                      <m:t>1</m:t>
+                    </m:r>
+                    <m:r>
+                      <a:rPr lang="en-US" b="0" i="1" spc="-150" smtClean="0">
+                        <a:latin typeface="+mn-lt"/>
+                      </a:rPr>
+                      <m:t> </m:t>
+                    </m:r>
+                    <m:acc>
+                      <m:accPr>
+                        <m:chr m:val="̇"/>
+                        <m:ctrlPr>
+                          <a:rPr lang="en-US" b="0" i="1" spc="-150" smtClean="0">
+                            <a:latin typeface="+mn-lt"/>
+                          </a:rPr>
+                        </m:ctrlPr>
+                      </m:accPr>
+                      <m:e>
+                        <m:r>
+                          <a:rPr lang="en-US" i="1" spc="-150">
+                            <a:latin typeface="+mn-lt"/>
+                            <a:ea typeface="Cambria Math" panose="02040503050406030204" pitchFamily="18" charset="0"/>
+                          </a:rPr>
+                          <m:t>𝜓</m:t>
+                        </m:r>
+                        <m:r>
+                          <a:rPr lang="en-US" b="0" i="1" spc="-150" baseline="-25000" smtClean="0">
+                            <a:latin typeface="+mn-lt"/>
+                            <a:ea typeface="Cambria Math" panose="02040503050406030204" pitchFamily="18" charset="0"/>
+                          </a:rPr>
+                          <m:t>𝑖</m:t>
+                        </m:r>
+                      </m:e>
+                    </m:acc>
+                    <m:r>
+                      <a:rPr lang="en-US" b="0" i="0" spc="-150" smtClean="0">
+                        <a:latin typeface="+mn-lt"/>
+                      </a:rPr>
+                      <m:t>=−</m:t>
+                    </m:r>
+                    <m:r>
+                      <a:rPr lang="el-GR" i="1" spc="-150">
+                        <a:latin typeface="+mn-lt"/>
+                        <a:ea typeface="Cambria Math" panose="02040503050406030204" pitchFamily="18" charset="0"/>
+                      </a:rPr>
+                      <m:t>𝜓</m:t>
+                    </m:r>
+                    <m:r>
+                      <a:rPr lang="en-US" b="0" i="1" spc="-150" baseline="-25000" smtClean="0">
+                        <a:latin typeface="+mn-lt"/>
+                        <a:ea typeface="Cambria Math" panose="02040503050406030204" pitchFamily="18" charset="0"/>
+                      </a:rPr>
+                      <m:t>𝑖</m:t>
+                    </m:r>
+                    <m:r>
+                      <a:rPr lang="en-US" b="0" i="1" spc="-150" smtClean="0">
+                        <a:latin typeface="+mn-lt"/>
+                        <a:ea typeface="Cambria Math" panose="02040503050406030204" pitchFamily="18" charset="0"/>
+                      </a:rPr>
+                      <m:t>−</m:t>
+                    </m:r>
+                    <m:r>
+                      <a:rPr lang="en-US" b="0" i="1" spc="-150" smtClean="0">
+                        <a:latin typeface="+mn-lt"/>
+                        <a:ea typeface="Cambria Math" panose="02040503050406030204" pitchFamily="18" charset="0"/>
+                      </a:rPr>
+                      <m:t>𝛽𝜙</m:t>
+                    </m:r>
+                    <m:r>
+                      <a:rPr lang="en-US" b="0" i="1" spc="-150" baseline="-25000" smtClean="0">
+                        <a:latin typeface="+mn-lt"/>
+                        <a:ea typeface="Cambria Math" panose="02040503050406030204" pitchFamily="18" charset="0"/>
+                      </a:rPr>
+                      <m:t>𝑖</m:t>
+                    </m:r>
+                    <m:r>
+                      <a:rPr lang="en-US" b="0" i="1" spc="-150" smtClean="0">
+                        <a:latin typeface="+mn-lt"/>
+                        <a:ea typeface="Cambria Math" panose="02040503050406030204" pitchFamily="18" charset="0"/>
+                      </a:rPr>
+                      <m:t>−</m:t>
+                    </m:r>
+                    <m:r>
+                      <a:rPr lang="en-US" b="0" i="1" spc="-150" smtClean="0">
+                        <a:latin typeface="+mn-lt"/>
+                        <a:ea typeface="Cambria Math" panose="02040503050406030204" pitchFamily="18" charset="0"/>
+                      </a:rPr>
+                      <m:t>𝜂</m:t>
+                    </m:r>
+                    <m:r>
+                      <a:rPr lang="en-US" i="1" spc="-150">
+                        <a:latin typeface="+mn-lt"/>
+                        <a:ea typeface="Cambria Math" panose="02040503050406030204" pitchFamily="18" charset="0"/>
+                      </a:rPr>
+                      <m:t>[</m:t>
+                    </m:r>
+                    <m:r>
+                      <a:rPr lang="el-GR" i="1" spc="-150">
+                        <a:latin typeface="+mn-lt"/>
+                        <a:ea typeface="Cambria Math" panose="02040503050406030204" pitchFamily="18" charset="0"/>
+                      </a:rPr>
+                      <m:t>𝜓</m:t>
+                    </m:r>
+                    <m:r>
+                      <a:rPr lang="en-US" i="1" spc="-150" baseline="-25000">
+                        <a:latin typeface="+mn-lt"/>
+                        <a:ea typeface="Cambria Math" panose="02040503050406030204" pitchFamily="18" charset="0"/>
+                      </a:rPr>
+                      <m:t>𝑗</m:t>
+                    </m:r>
+                    <m:r>
+                      <a:rPr lang="en-US" spc="-150">
+                        <a:latin typeface="Cambria Math" panose="02040503050406030204" pitchFamily="18" charset="0"/>
+                        <a:ea typeface="Cambria Math" panose="02040503050406030204" pitchFamily="18" charset="0"/>
+                      </a:rPr>
+                      <m:t>]</m:t>
+                    </m:r>
+                    <m:r>
+                      <m:rPr>
+                        <m:nor/>
+                      </m:rPr>
+                      <a:rPr lang="en-US" spc="-150" baseline="30000" dirty="0">
+                        <a:latin typeface="+mn-lt"/>
+                      </a:rPr>
+                      <m:t>+</m:t>
+                    </m:r>
+                    <m:r>
+                      <a:rPr lang="en-US" b="0" i="1" spc="-150" smtClean="0">
+                        <a:latin typeface="+mn-lt"/>
+                        <a:ea typeface="Cambria Math" panose="02040503050406030204" pitchFamily="18" charset="0"/>
+                      </a:rPr>
+                      <m:t>− </m:t>
+                    </m:r>
+                    <m:r>
+                      <a:rPr lang="en-US" b="0" i="1" spc="-150" smtClean="0">
+                        <a:latin typeface="+mn-lt"/>
+                        <a:ea typeface="Cambria Math" panose="02040503050406030204" pitchFamily="18" charset="0"/>
+                      </a:rPr>
+                      <m:t>𝜎</m:t>
+                    </m:r>
+                    <m:d>
+                      <m:dPr>
+                        <m:begChr m:val="["/>
+                        <m:endChr m:val="]"/>
+                        <m:ctrlPr>
+                          <a:rPr lang="en-US" b="0" i="1" spc="-150" smtClean="0">
+                            <a:latin typeface="+mn-lt"/>
+                            <a:ea typeface="Cambria Math" panose="02040503050406030204" pitchFamily="18" charset="0"/>
+                          </a:rPr>
+                        </m:ctrlPr>
+                      </m:dPr>
+                      <m:e>
+                        <m:r>
+                          <a:rPr lang="en-US" b="0" i="1" spc="-150" smtClean="0">
+                            <a:latin typeface="+mn-lt"/>
+                            <a:ea typeface="Cambria Math" panose="02040503050406030204" pitchFamily="18" charset="0"/>
+                          </a:rPr>
+                          <m:t>𝜃</m:t>
+                        </m:r>
+                        <m:r>
+                          <a:rPr lang="en-US" b="0" i="1" spc="-150" smtClean="0">
+                            <a:latin typeface="+mn-lt"/>
+                            <a:ea typeface="Cambria Math" panose="02040503050406030204" pitchFamily="18" charset="0"/>
+                          </a:rPr>
+                          <m:t>−</m:t>
+                        </m:r>
+                        <m:r>
+                          <a:rPr lang="en-US" b="0" i="1" spc="-300" smtClean="0">
+                            <a:latin typeface="+mn-lt"/>
+                            <a:ea typeface="Cambria Math" panose="02040503050406030204" pitchFamily="18" charset="0"/>
+                          </a:rPr>
+                          <m:t>𝜃</m:t>
+                        </m:r>
+                        <m:r>
+                          <a:rPr lang="en-US" b="0" i="0" spc="-300" baseline="30000" smtClean="0">
+                            <a:latin typeface="+mn-lt"/>
+                            <a:ea typeface="Cambria Math" panose="02040503050406030204" pitchFamily="18" charset="0"/>
+                          </a:rPr>
+                          <m:t>∗ </m:t>
+                        </m:r>
+                      </m:e>
+                    </m:d>
+                    <m:r>
+                      <a:rPr lang="en-US" b="0" i="1" spc="-150" smtClean="0">
+                        <a:latin typeface="+mn-lt"/>
+                        <a:ea typeface="Cambria Math" panose="02040503050406030204" pitchFamily="18" charset="0"/>
+                      </a:rPr>
+                      <m:t>+</m:t>
+                    </m:r>
+                    <m:r>
+                      <a:rPr lang="en-US" b="0" i="1" spc="-150" smtClean="0">
+                        <a:latin typeface="+mn-lt"/>
+                        <a:ea typeface="Cambria Math" panose="02040503050406030204" pitchFamily="18" charset="0"/>
+                      </a:rPr>
+                      <m:t>𝑢𝑖</m:t>
+                    </m:r>
+                  </m:oMath>
+                </a14:m>
+                <a:endParaRPr lang="en-US" spc="-150" baseline="-25000" dirty="0">
+                  <a:latin typeface="+mn-lt"/>
+                </a:endParaRPr>
+              </a:p>
+              <a:p>
+                <a:pPr/>
+                <a14:m>
+                  <m:oMath xmlns:m="http://schemas.openxmlformats.org/officeDocument/2006/math">
+                    <m:r>
+                      <a:rPr lang="en-US" i="1" spc="-150">
+                        <a:latin typeface="+mn-lt"/>
+                      </a:rPr>
+                      <m:t>𝑡</m:t>
+                    </m:r>
+                    <m:r>
+                      <a:rPr lang="en-US" i="1" spc="-150" baseline="-25000">
+                        <a:latin typeface="+mn-lt"/>
+                      </a:rPr>
+                      <m:t>1</m:t>
+                    </m:r>
+                    <m:r>
+                      <a:rPr lang="en-US" i="1" spc="-150">
+                        <a:latin typeface="+mn-lt"/>
+                      </a:rPr>
+                      <m:t> </m:t>
+                    </m:r>
+                    <m:acc>
+                      <m:accPr>
+                        <m:chr m:val="̇"/>
+                        <m:ctrlPr>
+                          <a:rPr lang="en-US" i="1" spc="-150">
+                            <a:latin typeface="+mn-lt"/>
+                          </a:rPr>
+                        </m:ctrlPr>
+                      </m:accPr>
+                      <m:e>
+                        <m:r>
+                          <a:rPr lang="en-US" i="1" spc="-150">
+                            <a:latin typeface="+mn-lt"/>
+                            <a:ea typeface="Cambria Math" panose="02040503050406030204" pitchFamily="18" charset="0"/>
+                          </a:rPr>
+                          <m:t>𝜓</m:t>
+                        </m:r>
+                        <m:r>
+                          <a:rPr lang="en-US" b="0" i="1" spc="-150" baseline="-25000" smtClean="0">
+                            <a:latin typeface="+mn-lt"/>
+                            <a:ea typeface="Cambria Math" panose="02040503050406030204" pitchFamily="18" charset="0"/>
+                          </a:rPr>
+                          <m:t>𝑗</m:t>
+                        </m:r>
+                      </m:e>
+                    </m:acc>
+                    <m:r>
+                      <a:rPr lang="en-US" spc="-150">
+                        <a:latin typeface="+mn-lt"/>
+                      </a:rPr>
+                      <m:t>=−</m:t>
+                    </m:r>
+                    <m:r>
+                      <a:rPr lang="el-GR" i="1" spc="-150">
+                        <a:latin typeface="+mn-lt"/>
+                        <a:ea typeface="Cambria Math" panose="02040503050406030204" pitchFamily="18" charset="0"/>
+                      </a:rPr>
+                      <m:t>𝜓</m:t>
+                    </m:r>
+                    <m:r>
+                      <a:rPr lang="en-US" b="0" i="1" spc="-150" baseline="-25000" smtClean="0">
+                        <a:latin typeface="+mn-lt"/>
+                        <a:ea typeface="Cambria Math" panose="02040503050406030204" pitchFamily="18" charset="0"/>
+                      </a:rPr>
+                      <m:t>𝑗</m:t>
+                    </m:r>
+                    <m:r>
+                      <a:rPr lang="en-US" i="1" spc="-150">
+                        <a:latin typeface="+mn-lt"/>
+                        <a:ea typeface="Cambria Math" panose="02040503050406030204" pitchFamily="18" charset="0"/>
+                      </a:rPr>
+                      <m:t>−</m:t>
+                    </m:r>
+                    <m:r>
+                      <a:rPr lang="en-US" i="1" spc="-150">
+                        <a:latin typeface="+mn-lt"/>
+                        <a:ea typeface="Cambria Math" panose="02040503050406030204" pitchFamily="18" charset="0"/>
+                      </a:rPr>
+                      <m:t>𝛽𝜙</m:t>
+                    </m:r>
+                    <m:r>
+                      <a:rPr lang="en-US" b="0" i="1" spc="-150" baseline="-25000" smtClean="0">
+                        <a:latin typeface="+mn-lt"/>
+                        <a:ea typeface="Cambria Math" panose="02040503050406030204" pitchFamily="18" charset="0"/>
+                      </a:rPr>
+                      <m:t>𝑗</m:t>
+                    </m:r>
+                    <m:r>
+                      <a:rPr lang="en-US" i="1" spc="-150">
+                        <a:latin typeface="+mn-lt"/>
+                        <a:ea typeface="Cambria Math" panose="02040503050406030204" pitchFamily="18" charset="0"/>
+                      </a:rPr>
+                      <m:t>−</m:t>
+                    </m:r>
+                    <m:r>
+                      <a:rPr lang="en-US" i="1" spc="-150">
+                        <a:latin typeface="+mn-lt"/>
+                        <a:ea typeface="Cambria Math" panose="02040503050406030204" pitchFamily="18" charset="0"/>
+                      </a:rPr>
+                      <m:t>𝜂</m:t>
+                    </m:r>
+                    <m:r>
+                      <a:rPr lang="en-US" b="0" i="1" spc="-150" smtClean="0">
+                        <a:latin typeface="+mn-lt"/>
+                        <a:ea typeface="Cambria Math" panose="02040503050406030204" pitchFamily="18" charset="0"/>
+                      </a:rPr>
+                      <m:t>[</m:t>
+                    </m:r>
+                    <m:r>
+                      <a:rPr lang="en-US" i="1" spc="-150">
+                        <a:latin typeface="+mn-lt"/>
+                        <a:ea typeface="Cambria Math" panose="02040503050406030204" pitchFamily="18" charset="0"/>
+                      </a:rPr>
+                      <m:t>𝜓</m:t>
+                    </m:r>
+                    <m:r>
+                      <a:rPr lang="en-US" i="1" spc="-150" baseline="-25000">
+                        <a:latin typeface="+mn-lt"/>
+                        <a:ea typeface="Cambria Math" panose="02040503050406030204" pitchFamily="18" charset="0"/>
+                      </a:rPr>
+                      <m:t>𝑖</m:t>
+                    </m:r>
+                    <m:r>
+                      <a:rPr lang="en-US" spc="-150">
+                        <a:latin typeface="Cambria Math" panose="02040503050406030204" pitchFamily="18" charset="0"/>
+                        <a:ea typeface="Cambria Math" panose="02040503050406030204" pitchFamily="18" charset="0"/>
+                      </a:rPr>
+                      <m:t>]</m:t>
+                    </m:r>
+                    <m:r>
+                      <m:rPr>
+                        <m:nor/>
+                      </m:rPr>
+                      <a:rPr lang="en-US" spc="-150" baseline="30000" dirty="0">
+                        <a:latin typeface="+mn-lt"/>
+                      </a:rPr>
+                      <m:t>+</m:t>
+                    </m:r>
+                    <m:r>
+                      <a:rPr lang="en-US" i="1" spc="-150">
+                        <a:latin typeface="+mn-lt"/>
+                        <a:ea typeface="Cambria Math" panose="02040503050406030204" pitchFamily="18" charset="0"/>
+                      </a:rPr>
+                      <m:t>− </m:t>
+                    </m:r>
+                    <m:r>
+                      <a:rPr lang="en-US" i="1" spc="-150">
+                        <a:latin typeface="+mn-lt"/>
+                        <a:ea typeface="Cambria Math" panose="02040503050406030204" pitchFamily="18" charset="0"/>
+                      </a:rPr>
+                      <m:t>𝜎</m:t>
+                    </m:r>
+                    <m:d>
+                      <m:dPr>
+                        <m:begChr m:val="["/>
+                        <m:endChr m:val="]"/>
+                        <m:ctrlPr>
+                          <a:rPr lang="en-US" i="1" spc="-150">
+                            <a:latin typeface="+mn-lt"/>
+                            <a:ea typeface="Cambria Math" panose="02040503050406030204" pitchFamily="18" charset="0"/>
+                          </a:rPr>
+                        </m:ctrlPr>
+                      </m:dPr>
+                      <m:e>
+                        <m:r>
+                          <a:rPr lang="en-US" b="0" i="1" spc="-150" smtClean="0">
+                            <a:latin typeface="+mn-lt"/>
+                            <a:ea typeface="Cambria Math" panose="02040503050406030204" pitchFamily="18" charset="0"/>
+                          </a:rPr>
+                          <m:t>−(</m:t>
+                        </m:r>
+                        <m:r>
+                          <a:rPr lang="en-US" i="1" spc="-150">
+                            <a:latin typeface="+mn-lt"/>
+                            <a:ea typeface="Cambria Math" panose="02040503050406030204" pitchFamily="18" charset="0"/>
+                          </a:rPr>
+                          <m:t>𝜃</m:t>
+                        </m:r>
+                        <m:r>
+                          <a:rPr lang="en-US" i="1" spc="-150">
+                            <a:latin typeface="+mn-lt"/>
+                            <a:ea typeface="Cambria Math" panose="02040503050406030204" pitchFamily="18" charset="0"/>
+                          </a:rPr>
+                          <m:t>−</m:t>
+                        </m:r>
+                        <m:r>
+                          <a:rPr lang="en-US" i="1" spc="-300">
+                            <a:latin typeface="+mn-lt"/>
+                            <a:ea typeface="Cambria Math" panose="02040503050406030204" pitchFamily="18" charset="0"/>
+                          </a:rPr>
+                          <m:t>𝜃</m:t>
+                        </m:r>
+                        <m:r>
+                          <a:rPr lang="en-US" spc="-300" baseline="30000">
+                            <a:latin typeface="+mn-lt"/>
+                            <a:ea typeface="Cambria Math" panose="02040503050406030204" pitchFamily="18" charset="0"/>
+                          </a:rPr>
+                          <m:t>∗ </m:t>
+                        </m:r>
+                        <m:r>
+                          <a:rPr lang="en-US" b="0" i="0" spc="-300" smtClean="0">
+                            <a:latin typeface="+mn-lt"/>
+                            <a:ea typeface="Cambria Math" panose="02040503050406030204" pitchFamily="18" charset="0"/>
+                          </a:rPr>
+                          <m:t>)</m:t>
+                        </m:r>
+                      </m:e>
+                    </m:d>
+                    <m:r>
+                      <a:rPr lang="en-US" i="1" spc="-150">
+                        <a:latin typeface="+mn-lt"/>
+                        <a:ea typeface="Cambria Math" panose="02040503050406030204" pitchFamily="18" charset="0"/>
+                      </a:rPr>
+                      <m:t>+</m:t>
+                    </m:r>
+                    <m:r>
+                      <a:rPr lang="en-US" i="1" spc="-150">
+                        <a:latin typeface="+mn-lt"/>
+                        <a:ea typeface="Cambria Math" panose="02040503050406030204" pitchFamily="18" charset="0"/>
+                      </a:rPr>
+                      <m:t>𝑢𝑗</m:t>
+                    </m:r>
+                  </m:oMath>
+                </a14:m>
+                <a:endParaRPr lang="en-US" spc="-150" baseline="-25000" dirty="0">
+                  <a:latin typeface="+mn-lt"/>
+                </a:endParaRPr>
+              </a:p>
+              <a:p>
+                <a:pPr/>
+                <a14:m>
+                  <m:oMath xmlns:m="http://schemas.openxmlformats.org/officeDocument/2006/math">
+                    <m:r>
+                      <a:rPr lang="en-US" i="1" spc="-150">
+                        <a:latin typeface="+mn-lt"/>
+                      </a:rPr>
+                      <m:t>𝑡</m:t>
+                    </m:r>
+                    <m:r>
+                      <a:rPr lang="en-US" b="0" i="1" spc="-150" baseline="-25000" smtClean="0">
+                        <a:latin typeface="+mn-lt"/>
+                      </a:rPr>
+                      <m:t>2</m:t>
+                    </m:r>
+                    <m:r>
+                      <a:rPr lang="en-US" i="1" spc="-150">
+                        <a:latin typeface="+mn-lt"/>
+                      </a:rPr>
+                      <m:t> </m:t>
+                    </m:r>
+                    <m:acc>
+                      <m:accPr>
+                        <m:chr m:val="̇"/>
+                        <m:ctrlPr>
+                          <a:rPr lang="en-US" i="1" spc="-150">
+                            <a:latin typeface="+mn-lt"/>
+                          </a:rPr>
+                        </m:ctrlPr>
+                      </m:accPr>
+                      <m:e>
+                        <m:r>
+                          <a:rPr lang="en-US" i="1" spc="-150" smtClean="0">
+                            <a:latin typeface="+mn-lt"/>
+                            <a:ea typeface="Cambria Math" panose="02040503050406030204" pitchFamily="18" charset="0"/>
+                          </a:rPr>
+                          <m:t>𝜑</m:t>
+                        </m:r>
+                        <m:r>
+                          <a:rPr lang="en-US" b="0" i="1" spc="-150" baseline="-25000" smtClean="0">
+                            <a:latin typeface="+mn-lt"/>
+                            <a:ea typeface="Cambria Math" panose="02040503050406030204" pitchFamily="18" charset="0"/>
+                          </a:rPr>
+                          <m:t>𝑖</m:t>
+                        </m:r>
+                      </m:e>
+                    </m:acc>
+                    <m:r>
+                      <a:rPr lang="en-US" spc="-150">
+                        <a:latin typeface="+mn-lt"/>
+                      </a:rPr>
+                      <m:t>=−</m:t>
+                    </m:r>
+                    <m:r>
+                      <a:rPr lang="el-GR" i="1" spc="-150" smtClean="0">
+                        <a:latin typeface="+mn-lt"/>
+                        <a:ea typeface="Cambria Math" panose="02040503050406030204" pitchFamily="18" charset="0"/>
+                      </a:rPr>
+                      <m:t>𝜑</m:t>
+                    </m:r>
+                    <m:r>
+                      <a:rPr lang="en-US" b="0" i="1" spc="-150" baseline="-25000" smtClean="0">
+                        <a:latin typeface="+mn-lt"/>
+                        <a:ea typeface="Cambria Math" panose="02040503050406030204" pitchFamily="18" charset="0"/>
+                      </a:rPr>
+                      <m:t>𝑖</m:t>
+                    </m:r>
+                    <m:r>
+                      <a:rPr lang="en-US" b="0" i="1" spc="-150" smtClean="0">
+                        <a:latin typeface="+mn-lt"/>
+                        <a:ea typeface="Cambria Math" panose="02040503050406030204" pitchFamily="18" charset="0"/>
+                      </a:rPr>
+                      <m:t>+[</m:t>
+                    </m:r>
+                    <m:r>
+                      <a:rPr lang="el-GR" i="1" spc="-150">
+                        <a:latin typeface="+mn-lt"/>
+                        <a:ea typeface="Cambria Math" panose="02040503050406030204" pitchFamily="18" charset="0"/>
+                      </a:rPr>
+                      <m:t>𝜓</m:t>
+                    </m:r>
+                    <m:r>
+                      <a:rPr lang="en-US" i="1" spc="-150" baseline="-25000">
+                        <a:latin typeface="+mn-lt"/>
+                        <a:ea typeface="Cambria Math" panose="02040503050406030204" pitchFamily="18" charset="0"/>
+                      </a:rPr>
+                      <m:t>𝑖</m:t>
+                    </m:r>
+                    <m:r>
+                      <a:rPr lang="en-US" spc="-150">
+                        <a:latin typeface="Cambria Math" panose="02040503050406030204" pitchFamily="18" charset="0"/>
+                        <a:ea typeface="Cambria Math" panose="02040503050406030204" pitchFamily="18" charset="0"/>
+                      </a:rPr>
+                      <m:t>]</m:t>
+                    </m:r>
+                  </m:oMath>
+                </a14:m>
+                <a:r>
+                  <a:rPr lang="en-US" spc="-150" baseline="30000" dirty="0">
+                    <a:latin typeface="+mn-lt"/>
+                  </a:rPr>
+                  <a:t>+</a:t>
+                </a:r>
+              </a:p>
+              <a:p>
+                <a:pPr/>
+                <a14:m>
+                  <m:oMath xmlns:m="http://schemas.openxmlformats.org/officeDocument/2006/math">
+                    <m:r>
+                      <a:rPr lang="en-US" i="1" spc="-150">
+                        <a:latin typeface="+mn-lt"/>
+                      </a:rPr>
+                      <m:t>𝑡</m:t>
+                    </m:r>
+                    <m:r>
+                      <a:rPr lang="en-US" i="1" spc="-150" baseline="-25000">
+                        <a:latin typeface="+mn-lt"/>
+                      </a:rPr>
+                      <m:t>2</m:t>
+                    </m:r>
+                    <m:r>
+                      <a:rPr lang="en-US" i="1" spc="-150">
+                        <a:latin typeface="+mn-lt"/>
+                      </a:rPr>
+                      <m:t> </m:t>
+                    </m:r>
+                    <m:acc>
+                      <m:accPr>
+                        <m:chr m:val="̇"/>
+                        <m:ctrlPr>
+                          <a:rPr lang="en-US" i="1" spc="-150">
+                            <a:latin typeface="+mn-lt"/>
+                          </a:rPr>
+                        </m:ctrlPr>
+                      </m:accPr>
+                      <m:e>
+                        <m:r>
+                          <a:rPr lang="en-US" i="1" spc="-150">
+                            <a:latin typeface="+mn-lt"/>
+                            <a:ea typeface="Cambria Math" panose="02040503050406030204" pitchFamily="18" charset="0"/>
+                          </a:rPr>
+                          <m:t>𝜑</m:t>
+                        </m:r>
+                        <m:r>
+                          <a:rPr lang="en-US" b="0" i="1" spc="-150" baseline="-25000" smtClean="0">
+                            <a:latin typeface="+mn-lt"/>
+                            <a:ea typeface="Cambria Math" panose="02040503050406030204" pitchFamily="18" charset="0"/>
+                          </a:rPr>
+                          <m:t>𝑗</m:t>
+                        </m:r>
+                      </m:e>
+                    </m:acc>
+                    <m:r>
+                      <a:rPr lang="en-US" spc="-150">
+                        <a:latin typeface="+mn-lt"/>
+                      </a:rPr>
+                      <m:t>=−</m:t>
+                    </m:r>
+                    <m:r>
+                      <a:rPr lang="el-GR" i="1" spc="-150">
+                        <a:latin typeface="+mn-lt"/>
+                        <a:ea typeface="Cambria Math" panose="02040503050406030204" pitchFamily="18" charset="0"/>
+                      </a:rPr>
+                      <m:t>𝜑</m:t>
+                    </m:r>
+                    <m:r>
+                      <a:rPr lang="en-US" b="0" i="1" spc="-150" baseline="-25000" smtClean="0">
+                        <a:latin typeface="+mn-lt"/>
+                        <a:ea typeface="Cambria Math" panose="02040503050406030204" pitchFamily="18" charset="0"/>
+                      </a:rPr>
+                      <m:t>𝑗</m:t>
+                    </m:r>
+                    <m:r>
+                      <a:rPr lang="en-US" i="1" spc="-150">
+                        <a:latin typeface="+mn-lt"/>
+                        <a:ea typeface="Cambria Math" panose="02040503050406030204" pitchFamily="18" charset="0"/>
+                      </a:rPr>
+                      <m:t>+[</m:t>
+                    </m:r>
+                    <m:r>
+                      <a:rPr lang="el-GR" i="1" spc="-150">
+                        <a:latin typeface="+mn-lt"/>
+                        <a:ea typeface="Cambria Math" panose="02040503050406030204" pitchFamily="18" charset="0"/>
+                      </a:rPr>
+                      <m:t>𝜓</m:t>
+                    </m:r>
+                    <m:r>
+                      <a:rPr lang="en-US" b="0" i="1" spc="-150" baseline="-25000" smtClean="0">
+                        <a:latin typeface="+mn-lt"/>
+                        <a:ea typeface="Cambria Math" panose="02040503050406030204" pitchFamily="18" charset="0"/>
+                      </a:rPr>
+                      <m:t>𝑗</m:t>
+                    </m:r>
+                    <m:r>
+                      <a:rPr lang="en-US" b="0" i="0" spc="-150" smtClean="0">
+                        <a:latin typeface="Cambria Math" panose="02040503050406030204" pitchFamily="18" charset="0"/>
+                        <a:ea typeface="Cambria Math" panose="02040503050406030204" pitchFamily="18" charset="0"/>
+                      </a:rPr>
+                      <m:t>]</m:t>
+                    </m:r>
+                  </m:oMath>
+                </a14:m>
+                <a:r>
+                  <a:rPr lang="en-US" spc="-150" baseline="30000" dirty="0">
+                    <a:latin typeface="+mn-lt"/>
+                  </a:rPr>
+                  <a:t>+</a:t>
+                </a:r>
+              </a:p>
+              <a:p>
+                <a:pPr/>
+                <a14:m>
+                  <m:oMath xmlns:m="http://schemas.openxmlformats.org/officeDocument/2006/math">
+                    <m:r>
+                      <a:rPr lang="el-GR" i="1" spc="-150">
+                        <a:latin typeface="+mn-lt"/>
+                        <a:ea typeface="Cambria Math" panose="02040503050406030204" pitchFamily="18" charset="0"/>
+                      </a:rPr>
+                      <m:t>𝜓</m:t>
+                    </m:r>
+                    <m:r>
+                      <a:rPr lang="en-US" b="0" i="1" spc="-150" baseline="-25000" smtClean="0">
+                        <a:latin typeface="+mn-lt"/>
+                        <a:ea typeface="Cambria Math" panose="02040503050406030204" pitchFamily="18" charset="0"/>
+                      </a:rPr>
+                      <m:t>𝑇</m:t>
+                    </m:r>
+                    <m:r>
+                      <a:rPr lang="en-US" b="0" i="1" spc="-150" smtClean="0">
+                        <a:latin typeface="+mn-lt"/>
+                        <a:ea typeface="Cambria Math" panose="02040503050406030204" pitchFamily="18" charset="0"/>
+                      </a:rPr>
+                      <m:t>=</m:t>
+                    </m:r>
+                    <m:r>
+                      <a:rPr lang="en-US" b="0" i="1" spc="-150" smtClean="0">
+                        <a:latin typeface="+mn-lt"/>
+                        <a:ea typeface="Cambria Math" panose="02040503050406030204" pitchFamily="18" charset="0"/>
+                      </a:rPr>
+                      <m:t>h</m:t>
+                    </m:r>
+                    <m:r>
+                      <a:rPr lang="en-US" b="0" i="1" spc="-150" baseline="-25000" smtClean="0">
+                        <a:latin typeface="+mn-lt"/>
+                        <a:ea typeface="Cambria Math" panose="02040503050406030204" pitchFamily="18" charset="0"/>
+                      </a:rPr>
+                      <m:t>𝜓</m:t>
+                    </m:r>
+                    <m:r>
+                      <a:rPr lang="en-US" b="0" i="1" spc="-150" smtClean="0">
+                        <a:latin typeface="+mn-lt"/>
+                        <a:ea typeface="Cambria Math" panose="02040503050406030204" pitchFamily="18" charset="0"/>
+                      </a:rPr>
+                      <m:t>(</m:t>
+                    </m:r>
+                    <m:r>
+                      <a:rPr lang="en-US" i="1" spc="-150">
+                        <a:latin typeface="+mn-lt"/>
+                        <a:ea typeface="Cambria Math" panose="02040503050406030204" pitchFamily="18" charset="0"/>
+                      </a:rPr>
+                      <m:t>[</m:t>
+                    </m:r>
+                    <m:r>
+                      <a:rPr lang="el-GR" i="1" spc="-150">
+                        <a:latin typeface="+mn-lt"/>
+                        <a:ea typeface="Cambria Math" panose="02040503050406030204" pitchFamily="18" charset="0"/>
+                      </a:rPr>
+                      <m:t>𝜓</m:t>
+                    </m:r>
+                    <m:r>
+                      <a:rPr lang="en-US" i="1" spc="-150" baseline="-25000">
+                        <a:latin typeface="+mn-lt"/>
+                        <a:ea typeface="Cambria Math" panose="02040503050406030204" pitchFamily="18" charset="0"/>
+                      </a:rPr>
+                      <m:t>𝑖</m:t>
+                    </m:r>
+                    <m:r>
+                      <a:rPr lang="en-US" spc="-150">
+                        <a:latin typeface="Cambria Math" panose="02040503050406030204" pitchFamily="18" charset="0"/>
+                        <a:ea typeface="Cambria Math" panose="02040503050406030204" pitchFamily="18" charset="0"/>
+                      </a:rPr>
+                      <m:t>]</m:t>
+                    </m:r>
+                    <m:r>
+                      <m:rPr>
+                        <m:nor/>
+                      </m:rPr>
+                      <a:rPr lang="en-US" spc="-150" baseline="30000" dirty="0" smtClean="0">
+                        <a:latin typeface="+mn-lt"/>
+                      </a:rPr>
+                      <m:t>+</m:t>
+                    </m:r>
+                    <m:r>
+                      <a:rPr lang="en-US" b="0" i="1" spc="-150" dirty="0" smtClean="0">
+                        <a:latin typeface="+mn-lt"/>
+                      </a:rPr>
+                      <m:t>−</m:t>
+                    </m:r>
+                    <m:r>
+                      <a:rPr lang="en-US" i="1" spc="-150">
+                        <a:latin typeface="+mn-lt"/>
+                        <a:ea typeface="Cambria Math" panose="02040503050406030204" pitchFamily="18" charset="0"/>
+                      </a:rPr>
+                      <m:t>[</m:t>
+                    </m:r>
+                    <m:r>
+                      <a:rPr lang="el-GR" i="1" spc="-150">
+                        <a:latin typeface="+mn-lt"/>
+                        <a:ea typeface="Cambria Math" panose="02040503050406030204" pitchFamily="18" charset="0"/>
+                      </a:rPr>
+                      <m:t>𝜓</m:t>
+                    </m:r>
+                    <m:r>
+                      <a:rPr lang="en-US" b="0" i="1" spc="-150" baseline="-25000" smtClean="0">
+                        <a:latin typeface="Cambria Math" panose="02040503050406030204" pitchFamily="18" charset="0"/>
+                        <a:ea typeface="Cambria Math" panose="02040503050406030204" pitchFamily="18" charset="0"/>
+                      </a:rPr>
+                      <m:t>𝑗</m:t>
+                    </m:r>
+                    <m:r>
+                      <a:rPr lang="en-US" spc="-150">
+                        <a:latin typeface="Cambria Math" panose="02040503050406030204" pitchFamily="18" charset="0"/>
+                        <a:ea typeface="Cambria Math" panose="02040503050406030204" pitchFamily="18" charset="0"/>
+                      </a:rPr>
+                      <m:t>]</m:t>
+                    </m:r>
+                    <m:r>
+                      <m:rPr>
+                        <m:nor/>
+                      </m:rPr>
+                      <a:rPr lang="en-US" spc="-150" baseline="30000" dirty="0">
+                        <a:latin typeface="+mn-lt"/>
+                      </a:rPr>
+                      <m:t>+</m:t>
+                    </m:r>
+                    <m:r>
+                      <a:rPr lang="en-US" b="0" i="1" spc="-150" smtClean="0">
+                        <a:latin typeface="+mn-lt"/>
+                        <a:ea typeface="Cambria Math" panose="02040503050406030204" pitchFamily="18" charset="0"/>
+                      </a:rPr>
+                      <m:t>)</m:t>
+                    </m:r>
+                  </m:oMath>
+                </a14:m>
+                <a:endParaRPr lang="en-US" spc="-150" dirty="0">
+                  <a:latin typeface="+mn-lt"/>
+                </a:endParaRPr>
+              </a:p>
+              <a:p>
+                <a:pPr/>
+                <a14:m>
+                  <m:oMath xmlns:m="http://schemas.openxmlformats.org/officeDocument/2006/math">
+                    <m:r>
+                      <a:rPr lang="en-US" b="0" i="1" spc="-150" smtClean="0">
+                        <a:latin typeface="+mn-lt"/>
+                      </a:rPr>
+                      <m:t>𝐼</m:t>
+                    </m:r>
+                    <m:acc>
+                      <m:accPr>
+                        <m:chr m:val="̈"/>
+                        <m:ctrlPr>
+                          <a:rPr lang="en-US" b="0" i="1" spc="-150" smtClean="0">
+                            <a:latin typeface="+mn-lt"/>
+                          </a:rPr>
+                        </m:ctrlPr>
+                      </m:accPr>
+                      <m:e>
+                        <m:r>
+                          <a:rPr lang="en-US" b="0" i="1" spc="-150" smtClean="0">
+                            <a:latin typeface="+mn-lt"/>
+                            <a:ea typeface="Cambria Math" panose="02040503050406030204" pitchFamily="18" charset="0"/>
+                          </a:rPr>
+                          <m:t>𝜃</m:t>
+                        </m:r>
+                      </m:e>
+                    </m:acc>
+                    <m:r>
+                      <a:rPr lang="en-US" b="0" i="1" spc="-150" smtClean="0">
+                        <a:latin typeface="+mn-lt"/>
+                      </a:rPr>
+                      <m:t>+</m:t>
+                    </m:r>
+                    <m:r>
+                      <a:rPr lang="en-US" b="0" i="1" spc="-150" smtClean="0">
+                        <a:latin typeface="+mn-lt"/>
+                        <a:ea typeface="Cambria Math" panose="02040503050406030204" pitchFamily="18" charset="0"/>
+                      </a:rPr>
+                      <m:t>𝛾</m:t>
+                    </m:r>
+                    <m:acc>
+                      <m:accPr>
+                        <m:chr m:val="̇"/>
+                        <m:ctrlPr>
+                          <a:rPr lang="en-US" b="0" i="1" spc="-150" smtClean="0">
+                            <a:latin typeface="+mn-lt"/>
+                            <a:ea typeface="Cambria Math" panose="02040503050406030204" pitchFamily="18" charset="0"/>
+                          </a:rPr>
+                        </m:ctrlPr>
+                      </m:accPr>
+                      <m:e>
+                        <m:r>
+                          <a:rPr lang="en-US" b="0" i="1" spc="-150" smtClean="0">
+                            <a:latin typeface="+mn-lt"/>
+                            <a:ea typeface="Cambria Math" panose="02040503050406030204" pitchFamily="18" charset="0"/>
+                          </a:rPr>
+                          <m:t>𝜃</m:t>
+                        </m:r>
+                      </m:e>
+                    </m:acc>
+                    <m:r>
+                      <a:rPr lang="en-US" b="0" i="1" spc="-150" smtClean="0">
+                        <a:latin typeface="+mn-lt"/>
+                      </a:rPr>
+                      <m:t>−</m:t>
+                    </m:r>
+                    <m:r>
+                      <a:rPr lang="el-GR" i="1" spc="-150">
+                        <a:latin typeface="+mn-lt"/>
+                        <a:ea typeface="Cambria Math" panose="02040503050406030204" pitchFamily="18" charset="0"/>
+                      </a:rPr>
+                      <m:t>𝜓</m:t>
+                    </m:r>
+                    <m:r>
+                      <a:rPr lang="en-US" i="1" spc="-150" baseline="-25000">
+                        <a:latin typeface="+mn-lt"/>
+                        <a:ea typeface="Cambria Math" panose="02040503050406030204" pitchFamily="18" charset="0"/>
+                      </a:rPr>
+                      <m:t>𝑇</m:t>
+                    </m:r>
+                    <m:r>
+                      <a:rPr lang="en-US" b="0" i="1" spc="-150" smtClean="0">
+                        <a:latin typeface="+mn-lt"/>
+                        <a:ea typeface="Cambria Math" panose="02040503050406030204" pitchFamily="18" charset="0"/>
+                      </a:rPr>
+                      <m:t>=0</m:t>
+                    </m:r>
+                  </m:oMath>
+                </a14:m>
+                <a:endParaRPr lang="en-US" spc="-150" dirty="0">
+                  <a:latin typeface="+mn-lt"/>
+                </a:endParaRPr>
+              </a:p>
+            </p:txBody>
+          </p:sp>
+        </mc:Choice>
+        <mc:Fallback>
+          <p:sp>
+            <p:nvSpPr>
+              <p:cNvPr id="2" name="Content Placeholder 1"/>
+              <p:cNvSpPr>
+                <a:spLocks noGrp="1" noRot="1" noChangeAspect="1" noMove="1" noResize="1" noEditPoints="1" noAdjustHandles="1" noChangeArrowheads="1" noChangeShapeType="1" noTextEdit="1"/>
+              </p:cNvSpPr>
+              <p:nvPr>
+                <p:ph idx="1"/>
+              </p:nvPr>
+            </p:nvSpPr>
+            <p:spPr>
+              <a:blipFill>
+                <a:blip r:embed="rId2"/>
+                <a:stretch>
+                  <a:fillRect l="-992" t="-875"/>
+                </a:stretch>
+              </a:blipFill>
+            </p:spPr>
+            <p:txBody>
+              <a:bodyPr/>
+              <a:lstStyle/>
+              <a:p>
+                <a:r>
+                  <a:rPr lang="en-US">
+                    <a:noFill/>
+                  </a:rPr>
+                  <a:t> </a:t>
+                </a:r>
+              </a:p>
+            </p:txBody>
+          </p:sp>
+        </mc:Fallback>
+      </mc:AlternateContent>
       <p:sp>
         <p:nvSpPr>
           <p:cNvPr id="3" name="Title 2"/>
@@ -5473,15 +6633,44 @@
           <a:chExt cx="0" cy="0"/>
         </a:xfrm>
       </p:grpSpPr>
-      <p:sp>
-        <p:nvSpPr>
-          <p:cNvPr id="2" name="Content Placeholder 1"/>
-          <p:cNvSpPr>
-            <a:spLocks noGrp="1"/>
-          </p:cNvSpPr>
+      <p:pic>
+        <p:nvPicPr>
+          <p:cNvPr id="7" name="Content Placeholder 6"/>
+          <p:cNvPicPr>
+            <a:picLocks noGrp="1" noChangeAspect="1"/>
+          </p:cNvPicPr>
           <p:nvPr>
             <p:ph idx="1"/>
           </p:nvPr>
+        </p:nvPicPr>
+        <p:blipFill>
+          <a:blip r:embed="rId2">
+            <a:extLst>
+              <a:ext uri="{28A0092B-C50C-407E-A947-70E740481C1C}">
+                <a14:useLocalDpi xmlns:a14="http://schemas.microsoft.com/office/drawing/2010/main" val="0"/>
+              </a:ext>
+            </a:extLst>
+          </a:blip>
+          <a:stretch>
+            <a:fillRect/>
+          </a:stretch>
+        </p:blipFill>
+        <p:spPr>
+          <a:xfrm>
+            <a:off x="1151895" y="1371600"/>
+            <a:ext cx="7068810" cy="4876800"/>
+          </a:xfrm>
+        </p:spPr>
+      </p:pic>
+      <p:sp>
+        <p:nvSpPr>
+          <p:cNvPr id="3" name="Title 2"/>
+          <p:cNvSpPr>
+            <a:spLocks noGrp="1"/>
+          </p:cNvSpPr>
+          <p:nvPr>
+            <p:ph type="title"/>
+          </p:nvPr>
         </p:nvSpPr>
         <p:spPr/>
         <p:txBody>
@@ -5489,28 +6678,6 @@
           <a:lstStyle/>
           <a:p>
             <a:endParaRPr lang="en-US"/>
-          </a:p>
-        </p:txBody>
-      </p:sp>
-      <p:sp>
-        <p:nvSpPr>
-          <p:cNvPr id="3" name="Title 2"/>
-          <p:cNvSpPr>
-            <a:spLocks noGrp="1"/>
-          </p:cNvSpPr>
-          <p:nvPr>
-            <p:ph type="title"/>
-          </p:nvPr>
-        </p:nvSpPr>
-        <p:spPr/>
-        <p:txBody>
-          <a:bodyPr/>
-          <a:lstStyle/>
-          <a:p>
-            <a:r>
-              <a:rPr lang="en-US" dirty="0"/>
-              <a:t>Pattern Modulation</a:t>
-            </a:r>
           </a:p>
         </p:txBody>
       </p:sp>
@@ -5593,7 +6760,7 @@
     </p:spTree>
     <p:extLst>
       <p:ext uri="{BB962C8B-B14F-4D97-AF65-F5344CB8AC3E}">
-        <p14:creationId xmlns:p14="http://schemas.microsoft.com/office/powerpoint/2010/main" val="1225510541"/>
+        <p14:creationId xmlns:p14="http://schemas.microsoft.com/office/powerpoint/2010/main" val="3662649678"/>
       </p:ext>
     </p:extLst>
   </p:cSld>
@@ -5657,7 +6824,7 @@
           <a:p>
             <a:r>
               <a:rPr lang="en-US" dirty="0"/>
-              <a:t>Coupling of oscillators</a:t>
+              <a:t>Pattern Modulation</a:t>
             </a:r>
           </a:p>
         </p:txBody>
@@ -5741,7 +6908,7 @@
     </p:spTree>
     <p:extLst>
       <p:ext uri="{BB962C8B-B14F-4D97-AF65-F5344CB8AC3E}">
-        <p14:creationId xmlns:p14="http://schemas.microsoft.com/office/powerpoint/2010/main" val="3036657060"/>
+        <p14:creationId xmlns:p14="http://schemas.microsoft.com/office/powerpoint/2010/main" val="1225510541"/>
       </p:ext>
     </p:extLst>
   </p:cSld>
@@ -5769,35 +6936,25 @@
           <a:chExt cx="0" cy="0"/>
         </a:xfrm>
       </p:grpSpPr>
-      <p:pic>
-        <p:nvPicPr>
-          <p:cNvPr id="7" name="Content Placeholder 6"/>
-          <p:cNvPicPr>
-            <a:picLocks noGrp="1" noChangeAspect="1"/>
-          </p:cNvPicPr>
+      <p:sp>
+        <p:nvSpPr>
+          <p:cNvPr id="2" name="Content Placeholder 1"/>
+          <p:cNvSpPr>
+            <a:spLocks noGrp="1"/>
+          </p:cNvSpPr>
           <p:nvPr>
             <p:ph idx="1"/>
           </p:nvPr>
-        </p:nvPicPr>
-        <p:blipFill>
-          <a:blip r:embed="rId2">
-            <a:extLst>
-              <a:ext uri="{28A0092B-C50C-407E-A947-70E740481C1C}">
-                <a14:useLocalDpi xmlns:a14="http://schemas.microsoft.com/office/drawing/2010/main" val="0"/>
-              </a:ext>
-            </a:extLst>
-          </a:blip>
-          <a:stretch>
-            <a:fillRect/>
-          </a:stretch>
-        </p:blipFill>
-        <p:spPr>
-          <a:xfrm>
-            <a:off x="1069011" y="1095375"/>
-            <a:ext cx="6777378" cy="5086349"/>
-          </a:xfrm>
-        </p:spPr>
-      </p:pic>
+        </p:nvSpPr>
+        <p:spPr/>
+        <p:txBody>
+          <a:bodyPr/>
+          <a:lstStyle/>
+          <a:p>
+            <a:endParaRPr lang="en-US"/>
+          </a:p>
+        </p:txBody>
+      </p:sp>
       <p:sp>
         <p:nvSpPr>
           <p:cNvPr id="3" name="Title 2"/>
@@ -5815,7 +6972,7 @@
           <a:p>
             <a:r>
               <a:rPr lang="en-US" dirty="0"/>
-              <a:t>Robot Joint Control</a:t>
+              <a:t>Coupling of oscillators</a:t>
             </a:r>
           </a:p>
         </p:txBody>
@@ -5899,7 +7056,7 @@
     </p:spTree>
     <p:extLst>
       <p:ext uri="{BB962C8B-B14F-4D97-AF65-F5344CB8AC3E}">
-        <p14:creationId xmlns:p14="http://schemas.microsoft.com/office/powerpoint/2010/main" val="1886824509"/>
+        <p14:creationId xmlns:p14="http://schemas.microsoft.com/office/powerpoint/2010/main" val="3036657060"/>
       </p:ext>
     </p:extLst>
   </p:cSld>
